--- a/PR-K03/cuongttc.pptx
+++ b/PR-K03/cuongttc.pptx
@@ -6,10 +6,10 @@
     <p:sldMasterId id="2147484001" r:id="rId2"/>
   </p:sldMasterIdLst>
   <p:notesMasterIdLst>
-    <p:notesMasterId r:id="rId13"/>
+    <p:notesMasterId r:id="rId14"/>
   </p:notesMasterIdLst>
   <p:handoutMasterIdLst>
-    <p:handoutMasterId r:id="rId14"/>
+    <p:handoutMasterId r:id="rId15"/>
   </p:handoutMasterIdLst>
   <p:sldIdLst>
     <p:sldId id="256" r:id="rId3"/>
@@ -21,7 +21,8 @@
     <p:sldId id="263" r:id="rId9"/>
     <p:sldId id="261" r:id="rId10"/>
     <p:sldId id="266" r:id="rId11"/>
-    <p:sldId id="268" r:id="rId12"/>
+    <p:sldId id="270" r:id="rId12"/>
+    <p:sldId id="268" r:id="rId13"/>
   </p:sldIdLst>
   <p:sldSz cx="24377650" cy="13716000"/>
   <p:notesSz cx="6858000" cy="9144000"/>
@@ -138,6 +139,7 @@
             <p14:sldId id="263"/>
             <p14:sldId id="261"/>
             <p14:sldId id="266"/>
+            <p14:sldId id="270"/>
             <p14:sldId id="268"/>
           </p14:sldIdLst>
         </p14:section>
@@ -6134,7 +6136,7 @@
           <a:p>
             <a:fld id="{476EB1C3-FA83-4F5C-BD11-4B61B9BFEDFE}" type="datetimeFigureOut">
               <a:rPr lang="en-US" smtClean="0"/>
-              <a:t>7/16/2020</a:t>
+              <a:t>7/20/2020</a:t>
             </a:fld>
             <a:endParaRPr lang="en-US"/>
           </a:p>
@@ -6316,7 +6318,7 @@
             <a:fld id="{EFC10EE1-B198-C942-8235-326C972CBB30}" type="datetimeFigureOut">
               <a:rPr lang="en-US" smtClean="0"/>
               <a:pPr/>
-              <a:t>7/16/2020</a:t>
+              <a:t>7/20/2020</a:t>
             </a:fld>
             <a:endParaRPr lang="en-US"/>
           </a:p>
@@ -9712,6 +9714,632 @@
       </p:grpSpPr>
       <p:sp>
         <p:nvSpPr>
+          <p:cNvPr id="5" name="Content Placeholder 4"/>
+          <p:cNvSpPr>
+            <a:spLocks noGrp="1"/>
+          </p:cNvSpPr>
+          <p:nvPr>
+            <p:ph idx="1"/>
+          </p:nvPr>
+        </p:nvSpPr>
+        <p:spPr>
+          <a:xfrm>
+            <a:off x="1675964" y="1720877"/>
+            <a:ext cx="10961513" cy="10633049"/>
+          </a:xfrm>
+        </p:spPr>
+        <p:txBody>
+          <a:bodyPr/>
+          <a:lstStyle/>
+          <a:p>
+            <a:pPr marL="0" indent="0">
+              <a:buNone/>
+            </a:pPr>
+            <a:endParaRPr lang="en-US" dirty="0" smtClean="0">
+              <a:latin typeface="Arial" panose="020B0604020202020204" pitchFamily="34" charset="0"/>
+              <a:cs typeface="Arial" panose="020B0604020202020204" pitchFamily="34" charset="0"/>
+            </a:endParaRPr>
+          </a:p>
+          <a:p>
+            <a:pPr lvl="1">
+              <a:buFont typeface="Arial" panose="020B0604020202020204" pitchFamily="34" charset="0"/>
+              <a:buChar char="•"/>
+            </a:pPr>
+            <a:r>
+              <a:rPr lang="en-US" dirty="0" err="1" smtClean="0">
+                <a:latin typeface="Arial" panose="020B0604020202020204" pitchFamily="34" charset="0"/>
+                <a:cs typeface="Arial" panose="020B0604020202020204" pitchFamily="34" charset="0"/>
+              </a:rPr>
+              <a:t>Trở</a:t>
+            </a:r>
+            <a:r>
+              <a:rPr lang="en-US" dirty="0" smtClean="0">
+                <a:latin typeface="Arial" panose="020B0604020202020204" pitchFamily="34" charset="0"/>
+                <a:cs typeface="Arial" panose="020B0604020202020204" pitchFamily="34" charset="0"/>
+              </a:rPr>
+              <a:t> </a:t>
+            </a:r>
+            <a:r>
+              <a:rPr lang="en-US" dirty="0" err="1" smtClean="0">
+                <a:latin typeface="Arial" panose="020B0604020202020204" pitchFamily="34" charset="0"/>
+                <a:cs typeface="Arial" panose="020B0604020202020204" pitchFamily="34" charset="0"/>
+              </a:rPr>
+              <a:t>thành</a:t>
+            </a:r>
+            <a:r>
+              <a:rPr lang="en-US" dirty="0" smtClean="0">
+                <a:latin typeface="Arial" panose="020B0604020202020204" pitchFamily="34" charset="0"/>
+                <a:cs typeface="Arial" panose="020B0604020202020204" pitchFamily="34" charset="0"/>
+              </a:rPr>
+              <a:t> Senior Software Engineer</a:t>
+            </a:r>
+            <a:endParaRPr lang="en-US" dirty="0" smtClean="0">
+              <a:latin typeface="Arial" panose="020B0604020202020204" pitchFamily="34" charset="0"/>
+              <a:cs typeface="Arial" panose="020B0604020202020204" pitchFamily="34" charset="0"/>
+            </a:endParaRPr>
+          </a:p>
+          <a:p>
+            <a:pPr lvl="1">
+              <a:buFont typeface="Arial" panose="020B0604020202020204" pitchFamily="34" charset="0"/>
+              <a:buChar char="•"/>
+            </a:pPr>
+            <a:r>
+              <a:rPr lang="en-US" dirty="0" err="1" smtClean="0">
+                <a:latin typeface="Arial" panose="020B0604020202020204" pitchFamily="34" charset="0"/>
+                <a:cs typeface="Arial" panose="020B0604020202020204" pitchFamily="34" charset="0"/>
+              </a:rPr>
+              <a:t>Tiếng</a:t>
+            </a:r>
+            <a:r>
+              <a:rPr lang="en-US" dirty="0" smtClean="0">
+                <a:latin typeface="Arial" panose="020B0604020202020204" pitchFamily="34" charset="0"/>
+                <a:cs typeface="Arial" panose="020B0604020202020204" pitchFamily="34" charset="0"/>
+              </a:rPr>
+              <a:t> </a:t>
+            </a:r>
+            <a:r>
+              <a:rPr lang="en-US" dirty="0" err="1">
+                <a:latin typeface="Arial" panose="020B0604020202020204" pitchFamily="34" charset="0"/>
+                <a:cs typeface="Arial" panose="020B0604020202020204" pitchFamily="34" charset="0"/>
+              </a:rPr>
+              <a:t>Nhật</a:t>
+            </a:r>
+            <a:r>
+              <a:rPr lang="en-US" dirty="0">
+                <a:latin typeface="Arial" panose="020B0604020202020204" pitchFamily="34" charset="0"/>
+                <a:cs typeface="Arial" panose="020B0604020202020204" pitchFamily="34" charset="0"/>
+              </a:rPr>
+              <a:t> </a:t>
+            </a:r>
+            <a:r>
+              <a:rPr lang="en-US" dirty="0" err="1">
+                <a:latin typeface="Arial" panose="020B0604020202020204" pitchFamily="34" charset="0"/>
+                <a:cs typeface="Arial" panose="020B0604020202020204" pitchFamily="34" charset="0"/>
+              </a:rPr>
+              <a:t>đạt</a:t>
+            </a:r>
+            <a:r>
+              <a:rPr lang="en-US" dirty="0">
+                <a:latin typeface="Arial" panose="020B0604020202020204" pitchFamily="34" charset="0"/>
+                <a:cs typeface="Arial" panose="020B0604020202020204" pitchFamily="34" charset="0"/>
+              </a:rPr>
+              <a:t> </a:t>
+            </a:r>
+            <a:r>
+              <a:rPr lang="en-US" dirty="0" smtClean="0">
+                <a:latin typeface="Arial" panose="020B0604020202020204" pitchFamily="34" charset="0"/>
+                <a:cs typeface="Arial" panose="020B0604020202020204" pitchFamily="34" charset="0"/>
+              </a:rPr>
+              <a:t>N3 </a:t>
+            </a:r>
+            <a:r>
+              <a:rPr lang="en-US" dirty="0" err="1" smtClean="0">
+                <a:latin typeface="Arial" panose="020B0604020202020204" pitchFamily="34" charset="0"/>
+                <a:cs typeface="Arial" panose="020B0604020202020204" pitchFamily="34" charset="0"/>
+              </a:rPr>
+              <a:t>trong</a:t>
+            </a:r>
+            <a:r>
+              <a:rPr lang="en-US" dirty="0" smtClean="0">
+                <a:latin typeface="Arial" panose="020B0604020202020204" pitchFamily="34" charset="0"/>
+                <a:cs typeface="Arial" panose="020B0604020202020204" pitchFamily="34" charset="0"/>
+              </a:rPr>
+              <a:t> </a:t>
+            </a:r>
+            <a:r>
+              <a:rPr lang="en-US" dirty="0" err="1" smtClean="0">
+                <a:latin typeface="Arial" panose="020B0604020202020204" pitchFamily="34" charset="0"/>
+                <a:cs typeface="Arial" panose="020B0604020202020204" pitchFamily="34" charset="0"/>
+              </a:rPr>
+              <a:t>năm</a:t>
+            </a:r>
+            <a:r>
+              <a:rPr lang="en-US" dirty="0" smtClean="0">
+                <a:latin typeface="Arial" panose="020B0604020202020204" pitchFamily="34" charset="0"/>
+                <a:cs typeface="Arial" panose="020B0604020202020204" pitchFamily="34" charset="0"/>
+              </a:rPr>
+              <a:t> 2022</a:t>
+            </a:r>
+            <a:endParaRPr lang="en-US" dirty="0" smtClean="0">
+              <a:latin typeface="Arial" panose="020B0604020202020204" pitchFamily="34" charset="0"/>
+              <a:cs typeface="Arial" panose="020B0604020202020204" pitchFamily="34" charset="0"/>
+            </a:endParaRPr>
+          </a:p>
+          <a:p>
+            <a:pPr lvl="1">
+              <a:buFont typeface="Arial" panose="020B0604020202020204" pitchFamily="34" charset="0"/>
+              <a:buChar char="•"/>
+            </a:pPr>
+            <a:r>
+              <a:rPr lang="en-US" dirty="0" err="1" smtClean="0">
+                <a:latin typeface="Arial" panose="020B0604020202020204" pitchFamily="34" charset="0"/>
+                <a:cs typeface="Arial" panose="020B0604020202020204" pitchFamily="34" charset="0"/>
+              </a:rPr>
+              <a:t>Thành</a:t>
+            </a:r>
+            <a:r>
+              <a:rPr lang="en-US" dirty="0" smtClean="0">
+                <a:latin typeface="Arial" panose="020B0604020202020204" pitchFamily="34" charset="0"/>
+                <a:cs typeface="Arial" panose="020B0604020202020204" pitchFamily="34" charset="0"/>
+              </a:rPr>
+              <a:t> </a:t>
+            </a:r>
+            <a:r>
+              <a:rPr lang="en-US" dirty="0" err="1" smtClean="0">
+                <a:latin typeface="Arial" panose="020B0604020202020204" pitchFamily="34" charset="0"/>
+                <a:cs typeface="Arial" panose="020B0604020202020204" pitchFamily="34" charset="0"/>
+              </a:rPr>
+              <a:t>thạo</a:t>
+            </a:r>
+            <a:r>
+              <a:rPr lang="en-US" dirty="0" smtClean="0">
+                <a:latin typeface="Arial" panose="020B0604020202020204" pitchFamily="34" charset="0"/>
+                <a:cs typeface="Arial" panose="020B0604020202020204" pitchFamily="34" charset="0"/>
+              </a:rPr>
+              <a:t> </a:t>
+            </a:r>
+            <a:r>
+              <a:rPr lang="en-US" dirty="0" err="1" smtClean="0">
+                <a:latin typeface="Arial" panose="020B0604020202020204" pitchFamily="34" charset="0"/>
+                <a:cs typeface="Arial" panose="020B0604020202020204" pitchFamily="34" charset="0"/>
+              </a:rPr>
+              <a:t>thêm</a:t>
+            </a:r>
+            <a:r>
+              <a:rPr lang="en-US" dirty="0" smtClean="0">
+                <a:latin typeface="Arial" panose="020B0604020202020204" pitchFamily="34" charset="0"/>
+                <a:cs typeface="Arial" panose="020B0604020202020204" pitchFamily="34" charset="0"/>
+              </a:rPr>
+              <a:t> 1 </a:t>
+            </a:r>
+            <a:r>
+              <a:rPr lang="en-US" dirty="0" err="1" smtClean="0">
+                <a:latin typeface="Arial" panose="020B0604020202020204" pitchFamily="34" charset="0"/>
+                <a:cs typeface="Arial" panose="020B0604020202020204" pitchFamily="34" charset="0"/>
+              </a:rPr>
+              <a:t>hoặc</a:t>
+            </a:r>
+            <a:r>
+              <a:rPr lang="en-US" dirty="0" smtClean="0">
+                <a:latin typeface="Arial" panose="020B0604020202020204" pitchFamily="34" charset="0"/>
+                <a:cs typeface="Arial" panose="020B0604020202020204" pitchFamily="34" charset="0"/>
+              </a:rPr>
+              <a:t> 2 </a:t>
+            </a:r>
+            <a:r>
+              <a:rPr lang="en-US" dirty="0" err="1" smtClean="0">
+                <a:latin typeface="Arial" panose="020B0604020202020204" pitchFamily="34" charset="0"/>
+                <a:cs typeface="Arial" panose="020B0604020202020204" pitchFamily="34" charset="0"/>
+              </a:rPr>
+              <a:t>ngôn</a:t>
+            </a:r>
+            <a:r>
+              <a:rPr lang="en-US" dirty="0" smtClean="0">
+                <a:latin typeface="Arial" panose="020B0604020202020204" pitchFamily="34" charset="0"/>
+                <a:cs typeface="Arial" panose="020B0604020202020204" pitchFamily="34" charset="0"/>
+              </a:rPr>
+              <a:t> </a:t>
+            </a:r>
+            <a:r>
+              <a:rPr lang="en-US" dirty="0" err="1" smtClean="0">
+                <a:latin typeface="Arial" panose="020B0604020202020204" pitchFamily="34" charset="0"/>
+                <a:cs typeface="Arial" panose="020B0604020202020204" pitchFamily="34" charset="0"/>
+              </a:rPr>
+              <a:t>ngữ</a:t>
+            </a:r>
+            <a:r>
+              <a:rPr lang="en-US" dirty="0" smtClean="0">
+                <a:latin typeface="Arial" panose="020B0604020202020204" pitchFamily="34" charset="0"/>
+                <a:cs typeface="Arial" panose="020B0604020202020204" pitchFamily="34" charset="0"/>
+              </a:rPr>
+              <a:t> </a:t>
+            </a:r>
+            <a:r>
+              <a:rPr lang="en-US" dirty="0" err="1" smtClean="0">
+                <a:latin typeface="Arial" panose="020B0604020202020204" pitchFamily="34" charset="0"/>
+                <a:cs typeface="Arial" panose="020B0604020202020204" pitchFamily="34" charset="0"/>
+              </a:rPr>
+              <a:t>nữa</a:t>
+            </a:r>
+            <a:r>
+              <a:rPr lang="en-US" dirty="0" smtClean="0">
+                <a:latin typeface="Arial" panose="020B0604020202020204" pitchFamily="34" charset="0"/>
+                <a:cs typeface="Arial" panose="020B0604020202020204" pitchFamily="34" charset="0"/>
+              </a:rPr>
+              <a:t> </a:t>
+            </a:r>
+            <a:r>
+              <a:rPr lang="en-US" dirty="0" err="1" smtClean="0">
+                <a:latin typeface="Arial" panose="020B0604020202020204" pitchFamily="34" charset="0"/>
+                <a:cs typeface="Arial" panose="020B0604020202020204" pitchFamily="34" charset="0"/>
+              </a:rPr>
+              <a:t>trong</a:t>
+            </a:r>
+            <a:r>
+              <a:rPr lang="en-US" dirty="0" smtClean="0">
+                <a:latin typeface="Arial" panose="020B0604020202020204" pitchFamily="34" charset="0"/>
+                <a:cs typeface="Arial" panose="020B0604020202020204" pitchFamily="34" charset="0"/>
+              </a:rPr>
+              <a:t> 4 </a:t>
+            </a:r>
+            <a:r>
+              <a:rPr lang="en-US" dirty="0" err="1" smtClean="0">
+                <a:latin typeface="Arial" panose="020B0604020202020204" pitchFamily="34" charset="0"/>
+                <a:cs typeface="Arial" panose="020B0604020202020204" pitchFamily="34" charset="0"/>
+              </a:rPr>
+              <a:t>năm</a:t>
+            </a:r>
+            <a:r>
+              <a:rPr lang="en-US" dirty="0" smtClean="0">
+                <a:latin typeface="Arial" panose="020B0604020202020204" pitchFamily="34" charset="0"/>
+                <a:cs typeface="Arial" panose="020B0604020202020204" pitchFamily="34" charset="0"/>
+              </a:rPr>
+              <a:t> </a:t>
+            </a:r>
+            <a:r>
+              <a:rPr lang="en-US" dirty="0" err="1" smtClean="0">
+                <a:latin typeface="Arial" panose="020B0604020202020204" pitchFamily="34" charset="0"/>
+                <a:cs typeface="Arial" panose="020B0604020202020204" pitchFamily="34" charset="0"/>
+              </a:rPr>
+              <a:t>tới</a:t>
+            </a:r>
+            <a:endParaRPr lang="en-US" dirty="0">
+              <a:latin typeface="Arial" panose="020B0604020202020204" pitchFamily="34" charset="0"/>
+              <a:cs typeface="Arial" panose="020B0604020202020204" pitchFamily="34" charset="0"/>
+            </a:endParaRPr>
+          </a:p>
+        </p:txBody>
+      </p:sp>
+      <p:sp>
+        <p:nvSpPr>
+          <p:cNvPr id="4" name="Title 3"/>
+          <p:cNvSpPr>
+            <a:spLocks noGrp="1"/>
+          </p:cNvSpPr>
+          <p:nvPr>
+            <p:ph type="title"/>
+          </p:nvPr>
+        </p:nvSpPr>
+        <p:spPr/>
+        <p:txBody>
+          <a:bodyPr/>
+          <a:lstStyle/>
+          <a:p>
+            <a:r>
+              <a:rPr lang="en-US" dirty="0" smtClean="0">
+                <a:latin typeface="Arial" panose="020B0604020202020204" pitchFamily="34" charset="0"/>
+                <a:cs typeface="Arial" panose="020B0604020202020204" pitchFamily="34" charset="0"/>
+              </a:rPr>
+              <a:t>MỤC TIÊU </a:t>
+            </a:r>
+            <a:r>
+              <a:rPr lang="en-US" dirty="0" smtClean="0">
+                <a:latin typeface="Arial" panose="020B0604020202020204" pitchFamily="34" charset="0"/>
+                <a:cs typeface="Arial" panose="020B0604020202020204" pitchFamily="34" charset="0"/>
+              </a:rPr>
+              <a:t>DÀI HẠN</a:t>
+            </a:r>
+            <a:endParaRPr lang="en-US" dirty="0">
+              <a:latin typeface="Arial" panose="020B0604020202020204" pitchFamily="34" charset="0"/>
+              <a:cs typeface="Arial" panose="020B0604020202020204" pitchFamily="34" charset="0"/>
+            </a:endParaRPr>
+          </a:p>
+        </p:txBody>
+      </p:sp>
+      <p:pic>
+        <p:nvPicPr>
+          <p:cNvPr id="3076" name="Picture 4" descr="https://miro.medium.com/max/10000/1*2f-8Td-WxtiIcDu29nyquw.jpeg"/>
+          <p:cNvPicPr>
+            <a:picLocks noChangeAspect="1" noChangeArrowheads="1"/>
+          </p:cNvPicPr>
+          <p:nvPr/>
+        </p:nvPicPr>
+        <p:blipFill>
+          <a:blip r:embed="rId2" cstate="email">
+            <a:extLst>
+              <a:ext uri="{28A0092B-C50C-407E-A947-70E740481C1C}">
+                <a14:useLocalDpi xmlns:a14="http://schemas.microsoft.com/office/drawing/2010/main" val="0"/>
+              </a:ext>
+            </a:extLst>
+          </a:blip>
+          <a:srcRect/>
+          <a:stretch>
+            <a:fillRect/>
+          </a:stretch>
+        </p:blipFill>
+        <p:spPr bwMode="auto">
+          <a:xfrm>
+            <a:off x="12851667" y="1380565"/>
+            <a:ext cx="8320210" cy="5305718"/>
+          </a:xfrm>
+          <a:prstGeom prst="rect">
+            <a:avLst/>
+          </a:prstGeom>
+          <a:noFill/>
+          <a:extLst>
+            <a:ext uri="{909E8E84-426E-40DD-AFC4-6F175D3DCCD1}">
+              <a14:hiddenFill xmlns:a14="http://schemas.microsoft.com/office/drawing/2010/main">
+                <a:solidFill>
+                  <a:srgbClr val="FFFFFF"/>
+                </a:solidFill>
+              </a14:hiddenFill>
+            </a:ext>
+          </a:extLst>
+        </p:spPr>
+      </p:pic>
+      <p:pic>
+        <p:nvPicPr>
+          <p:cNvPr id="3078" name="Picture 6" descr="https://encrypted-tbn0.gstatic.com/images?q=tbn%3AANd9GcRn_TFFSx1atXpQ0z7hBaLnH4AFr5vcnNnkmA&amp;usqp=CAU"/>
+          <p:cNvPicPr>
+            <a:picLocks noChangeAspect="1" noChangeArrowheads="1"/>
+          </p:cNvPicPr>
+          <p:nvPr/>
+        </p:nvPicPr>
+        <p:blipFill>
+          <a:blip r:embed="rId3">
+            <a:extLst>
+              <a:ext uri="{28A0092B-C50C-407E-A947-70E740481C1C}">
+                <a14:useLocalDpi xmlns:a14="http://schemas.microsoft.com/office/drawing/2010/main" val="0"/>
+              </a:ext>
+            </a:extLst>
+          </a:blip>
+          <a:srcRect/>
+          <a:stretch>
+            <a:fillRect/>
+          </a:stretch>
+        </p:blipFill>
+        <p:spPr bwMode="auto">
+          <a:xfrm>
+            <a:off x="12851667" y="6817201"/>
+            <a:ext cx="8320210" cy="5536725"/>
+          </a:xfrm>
+          <a:prstGeom prst="rect">
+            <a:avLst/>
+          </a:prstGeom>
+          <a:noFill/>
+          <a:extLst>
+            <a:ext uri="{909E8E84-426E-40DD-AFC4-6F175D3DCCD1}">
+              <a14:hiddenFill xmlns:a14="http://schemas.microsoft.com/office/drawing/2010/main">
+                <a:solidFill>
+                  <a:srgbClr val="FFFFFF"/>
+                </a:solidFill>
+              </a14:hiddenFill>
+            </a:ext>
+          </a:extLst>
+        </p:spPr>
+      </p:pic>
+    </p:spTree>
+    <p:extLst>
+      <p:ext uri="{BB962C8B-B14F-4D97-AF65-F5344CB8AC3E}">
+        <p14:creationId xmlns:p14="http://schemas.microsoft.com/office/powerpoint/2010/main" val="1548583367"/>
+      </p:ext>
+    </p:extLst>
+  </p:cSld>
+  <p:clrMapOvr>
+    <a:masterClrMapping/>
+  </p:clrMapOvr>
+  <p:timing>
+    <p:tnLst>
+      <p:par>
+        <p:cTn id="1" dur="indefinite" restart="never" nodeType="tmRoot">
+          <p:childTnLst>
+            <p:seq concurrent="1" nextAc="seek">
+              <p:cTn id="2" dur="indefinite" nodeType="mainSeq">
+                <p:childTnLst>
+                  <p:par>
+                    <p:cTn id="3" fill="hold">
+                      <p:stCondLst>
+                        <p:cond delay="indefinite"/>
+                        <p:cond evt="onBegin" delay="0">
+                          <p:tn val="2"/>
+                        </p:cond>
+                      </p:stCondLst>
+                      <p:childTnLst>
+                        <p:par>
+                          <p:cTn id="4" fill="hold">
+                            <p:stCondLst>
+                              <p:cond delay="0"/>
+                            </p:stCondLst>
+                            <p:childTnLst>
+                              <p:par>
+                                <p:cTn id="5" presetID="10" presetClass="entr" presetSubtype="0" fill="hold" nodeType="withEffect">
+                                  <p:stCondLst>
+                                    <p:cond delay="0"/>
+                                  </p:stCondLst>
+                                  <p:childTnLst>
+                                    <p:set>
+                                      <p:cBhvr>
+                                        <p:cTn id="6" dur="1" fill="hold">
+                                          <p:stCondLst>
+                                            <p:cond delay="0"/>
+                                          </p:stCondLst>
+                                        </p:cTn>
+                                        <p:tgtEl>
+                                          <p:spTgt spid="5">
+                                            <p:txEl>
+                                              <p:pRg st="1" end="1"/>
+                                            </p:txEl>
+                                          </p:spTgt>
+                                        </p:tgtEl>
+                                        <p:attrNameLst>
+                                          <p:attrName>style.visibility</p:attrName>
+                                        </p:attrNameLst>
+                                      </p:cBhvr>
+                                      <p:to>
+                                        <p:strVal val="visible"/>
+                                      </p:to>
+                                    </p:set>
+                                    <p:animEffect transition="in" filter="fade">
+                                      <p:cBhvr>
+                                        <p:cTn id="7" dur="500"/>
+                                        <p:tgtEl>
+                                          <p:spTgt spid="5">
+                                            <p:txEl>
+                                              <p:pRg st="1" end="1"/>
+                                            </p:txEl>
+                                          </p:spTgt>
+                                        </p:tgtEl>
+                                      </p:cBhvr>
+                                    </p:animEffect>
+                                  </p:childTnLst>
+                                </p:cTn>
+                              </p:par>
+                              <p:par>
+                                <p:cTn id="8" presetID="10" presetClass="entr" presetSubtype="0" fill="hold" nodeType="withEffect">
+                                  <p:stCondLst>
+                                    <p:cond delay="0"/>
+                                  </p:stCondLst>
+                                  <p:childTnLst>
+                                    <p:set>
+                                      <p:cBhvr>
+                                        <p:cTn id="9" dur="1" fill="hold">
+                                          <p:stCondLst>
+                                            <p:cond delay="0"/>
+                                          </p:stCondLst>
+                                        </p:cTn>
+                                        <p:tgtEl>
+                                          <p:spTgt spid="5">
+                                            <p:txEl>
+                                              <p:pRg st="2" end="2"/>
+                                            </p:txEl>
+                                          </p:spTgt>
+                                        </p:tgtEl>
+                                        <p:attrNameLst>
+                                          <p:attrName>style.visibility</p:attrName>
+                                        </p:attrNameLst>
+                                      </p:cBhvr>
+                                      <p:to>
+                                        <p:strVal val="visible"/>
+                                      </p:to>
+                                    </p:set>
+                                    <p:animEffect transition="in" filter="fade">
+                                      <p:cBhvr>
+                                        <p:cTn id="10" dur="500"/>
+                                        <p:tgtEl>
+                                          <p:spTgt spid="5">
+                                            <p:txEl>
+                                              <p:pRg st="2" end="2"/>
+                                            </p:txEl>
+                                          </p:spTgt>
+                                        </p:tgtEl>
+                                      </p:cBhvr>
+                                    </p:animEffect>
+                                  </p:childTnLst>
+                                </p:cTn>
+                              </p:par>
+                              <p:par>
+                                <p:cTn id="11" presetID="10" presetClass="entr" presetSubtype="0" fill="hold" nodeType="withEffect">
+                                  <p:stCondLst>
+                                    <p:cond delay="0"/>
+                                  </p:stCondLst>
+                                  <p:childTnLst>
+                                    <p:set>
+                                      <p:cBhvr>
+                                        <p:cTn id="12" dur="1" fill="hold">
+                                          <p:stCondLst>
+                                            <p:cond delay="0"/>
+                                          </p:stCondLst>
+                                        </p:cTn>
+                                        <p:tgtEl>
+                                          <p:spTgt spid="5">
+                                            <p:txEl>
+                                              <p:pRg st="3" end="3"/>
+                                            </p:txEl>
+                                          </p:spTgt>
+                                        </p:tgtEl>
+                                        <p:attrNameLst>
+                                          <p:attrName>style.visibility</p:attrName>
+                                        </p:attrNameLst>
+                                      </p:cBhvr>
+                                      <p:to>
+                                        <p:strVal val="visible"/>
+                                      </p:to>
+                                    </p:set>
+                                    <p:animEffect transition="in" filter="fade">
+                                      <p:cBhvr>
+                                        <p:cTn id="13" dur="500"/>
+                                        <p:tgtEl>
+                                          <p:spTgt spid="5">
+                                            <p:txEl>
+                                              <p:pRg st="3" end="3"/>
+                                            </p:txEl>
+                                          </p:spTgt>
+                                        </p:tgtEl>
+                                      </p:cBhvr>
+                                    </p:animEffect>
+                                  </p:childTnLst>
+                                </p:cTn>
+                              </p:par>
+                            </p:childTnLst>
+                          </p:cTn>
+                        </p:par>
+                      </p:childTnLst>
+                    </p:cTn>
+                  </p:par>
+                </p:childTnLst>
+              </p:cTn>
+              <p:prevCondLst>
+                <p:cond evt="onPrev" delay="0">
+                  <p:tgtEl>
+                    <p:sldTgt/>
+                  </p:tgtEl>
+                </p:cond>
+              </p:prevCondLst>
+              <p:nextCondLst>
+                <p:cond evt="onNext" delay="0">
+                  <p:tgtEl>
+                    <p:sldTgt/>
+                  </p:tgtEl>
+                </p:cond>
+              </p:nextCondLst>
+            </p:seq>
+          </p:childTnLst>
+        </p:cTn>
+      </p:par>
+    </p:tnLst>
+  </p:timing>
+</p:sld>
+</file>
+
+<file path=ppt/slides/slide11.xml><?xml version="1.0" encoding="utf-8"?>
+<p:sld xmlns:a="http://schemas.openxmlformats.org/drawingml/2006/main" xmlns:r="http://schemas.openxmlformats.org/officeDocument/2006/relationships" xmlns:p="http://schemas.openxmlformats.org/presentationml/2006/main">
+  <p:cSld>
+    <p:spTree>
+      <p:nvGrpSpPr>
+        <p:cNvPr id="1" name=""/>
+        <p:cNvGrpSpPr/>
+        <p:nvPr/>
+      </p:nvGrpSpPr>
+      <p:grpSpPr>
+        <a:xfrm>
+          <a:off x="0" y="0"/>
+          <a:ext cx="0" cy="0"/>
+          <a:chOff x="0" y="0"/>
+          <a:chExt cx="0" cy="0"/>
+        </a:xfrm>
+      </p:grpSpPr>
+      <p:sp>
+        <p:nvSpPr>
           <p:cNvPr id="4" name="TextBox 3"/>
           <p:cNvSpPr txBox="1"/>
           <p:nvPr/>
@@ -9883,105 +10511,39 @@
               </a:rPr>
               <a:t>thân</a:t>
             </a:r>
-            <a:endParaRPr lang="en-US" dirty="0">
+            <a:endParaRPr lang="en-US" dirty="0" smtClean="0">
               <a:latin typeface="Arial" panose="020B0604020202020204" pitchFamily="34" charset="0"/>
               <a:cs typeface="Arial" panose="020B0604020202020204" pitchFamily="34" charset="0"/>
             </a:endParaRPr>
           </a:p>
           <a:p>
             <a:r>
+              <a:rPr lang="en-US" dirty="0" err="1" smtClean="0">
+                <a:latin typeface="Arial" panose="020B0604020202020204" pitchFamily="34" charset="0"/>
+                <a:cs typeface="Arial" panose="020B0604020202020204" pitchFamily="34" charset="0"/>
+              </a:rPr>
+              <a:t>Khóa</a:t>
+            </a:r>
+            <a:r>
               <a:rPr lang="en-US" dirty="0" smtClean="0">
                 <a:latin typeface="Arial" panose="020B0604020202020204" pitchFamily="34" charset="0"/>
                 <a:cs typeface="Arial" panose="020B0604020202020204" pitchFamily="34" charset="0"/>
               </a:rPr>
-              <a:t>SWOT</a:t>
+              <a:t> Fresher K03</a:t>
             </a:r>
           </a:p>
           <a:p>
             <a:r>
-              <a:rPr lang="en-US" dirty="0" err="1" smtClean="0">
-                <a:latin typeface="Arial" panose="020B0604020202020204" pitchFamily="34" charset="0"/>
-                <a:cs typeface="Arial" panose="020B0604020202020204" pitchFamily="34" charset="0"/>
-              </a:rPr>
-              <a:t>Kết</a:t>
-            </a:r>
-            <a:r>
               <a:rPr lang="en-US" dirty="0" smtClean="0">
                 <a:latin typeface="Arial" panose="020B0604020202020204" pitchFamily="34" charset="0"/>
                 <a:cs typeface="Arial" panose="020B0604020202020204" pitchFamily="34" charset="0"/>
               </a:rPr>
-              <a:t> </a:t>
-            </a:r>
-            <a:r>
-              <a:rPr lang="en-US" dirty="0" err="1" smtClean="0">
-                <a:latin typeface="Arial" panose="020B0604020202020204" pitchFamily="34" charset="0"/>
-                <a:cs typeface="Arial" panose="020B0604020202020204" pitchFamily="34" charset="0"/>
-              </a:rPr>
-              <a:t>quả</a:t>
-            </a:r>
-            <a:r>
-              <a:rPr lang="en-US" dirty="0" smtClean="0">
-                <a:latin typeface="Arial" panose="020B0604020202020204" pitchFamily="34" charset="0"/>
-                <a:cs typeface="Arial" panose="020B0604020202020204" pitchFamily="34" charset="0"/>
-              </a:rPr>
-              <a:t> </a:t>
-            </a:r>
-            <a:r>
-              <a:rPr lang="en-US" dirty="0" err="1" smtClean="0">
-                <a:latin typeface="Arial" panose="020B0604020202020204" pitchFamily="34" charset="0"/>
-                <a:cs typeface="Arial" panose="020B0604020202020204" pitchFamily="34" charset="0"/>
-              </a:rPr>
-              <a:t>đạt</a:t>
-            </a:r>
-            <a:r>
-              <a:rPr lang="en-US" dirty="0" smtClean="0">
-                <a:latin typeface="Arial" panose="020B0604020202020204" pitchFamily="34" charset="0"/>
-                <a:cs typeface="Arial" panose="020B0604020202020204" pitchFamily="34" charset="0"/>
-              </a:rPr>
-              <a:t> </a:t>
-            </a:r>
-            <a:r>
-              <a:rPr lang="en-US" dirty="0" err="1" smtClean="0">
-                <a:latin typeface="Arial" panose="020B0604020202020204" pitchFamily="34" charset="0"/>
-                <a:cs typeface="Arial" panose="020B0604020202020204" pitchFamily="34" charset="0"/>
-              </a:rPr>
-              <a:t>được</a:t>
-            </a:r>
-            <a:r>
-              <a:rPr lang="en-US" dirty="0" smtClean="0">
-                <a:latin typeface="Arial" panose="020B0604020202020204" pitchFamily="34" charset="0"/>
-                <a:cs typeface="Arial" panose="020B0604020202020204" pitchFamily="34" charset="0"/>
-              </a:rPr>
-              <a:t> </a:t>
-            </a:r>
-            <a:r>
-              <a:rPr lang="en-US" dirty="0" err="1" smtClean="0">
-                <a:latin typeface="Arial" panose="020B0604020202020204" pitchFamily="34" charset="0"/>
-                <a:cs typeface="Arial" panose="020B0604020202020204" pitchFamily="34" charset="0"/>
-              </a:rPr>
-              <a:t>sau</a:t>
-            </a:r>
-            <a:r>
-              <a:rPr lang="en-US" dirty="0" smtClean="0">
-                <a:latin typeface="Arial" panose="020B0604020202020204" pitchFamily="34" charset="0"/>
-                <a:cs typeface="Arial" panose="020B0604020202020204" pitchFamily="34" charset="0"/>
-              </a:rPr>
-              <a:t> </a:t>
-            </a:r>
-            <a:r>
-              <a:rPr lang="en-US" dirty="0" err="1" smtClean="0">
-                <a:latin typeface="Arial" panose="020B0604020202020204" pitchFamily="34" charset="0"/>
-                <a:cs typeface="Arial" panose="020B0604020202020204" pitchFamily="34" charset="0"/>
-              </a:rPr>
-              <a:t>khóa</a:t>
-            </a:r>
-            <a:r>
-              <a:rPr lang="en-US" dirty="0" smtClean="0">
-                <a:latin typeface="Arial" panose="020B0604020202020204" pitchFamily="34" charset="0"/>
-                <a:cs typeface="Arial" panose="020B0604020202020204" pitchFamily="34" charset="0"/>
-              </a:rPr>
-              <a:t> Fresher K03</a:t>
-            </a:r>
+              <a:t>SWOT</a:t>
+            </a:r>
+            <a:endParaRPr lang="en-US" dirty="0" smtClean="0">
+              <a:latin typeface="Arial" panose="020B0604020202020204" pitchFamily="34" charset="0"/>
+              <a:cs typeface="Arial" panose="020B0604020202020204" pitchFamily="34" charset="0"/>
+            </a:endParaRPr>
           </a:p>
           <a:p>
             <a:r>
@@ -12048,7 +12610,7 @@
                 <a:latin typeface="Arial" panose="020B0604020202020204" pitchFamily="34" charset="0"/>
                 <a:cs typeface="Arial" panose="020B0604020202020204" pitchFamily="34" charset="0"/>
               </a:rPr>
-              <a:t>THU HOẠCH TỪ KHÓA FRESHER</a:t>
+              <a:t>KỸ NĂNG CHUYÊN MÔN</a:t>
             </a:r>
             <a:endParaRPr lang="en-US" dirty="0">
               <a:latin typeface="Arial" panose="020B0604020202020204" pitchFamily="34" charset="0"/>
@@ -12072,31 +12634,9 @@
           <a:bodyPr/>
           <a:lstStyle/>
           <a:p>
-            <a:pPr>
-              <a:buFont typeface="Wingdings" panose="05000000000000000000" pitchFamily="2" charset="2"/>
-              <a:buChar char="v"/>
+            <a:pPr marL="0" indent="0">
+              <a:buNone/>
             </a:pPr>
-            <a:r>
-              <a:rPr lang="en-US" dirty="0" err="1" smtClean="0">
-                <a:latin typeface="Arial" panose="020B0604020202020204" pitchFamily="34" charset="0"/>
-                <a:cs typeface="Arial" panose="020B0604020202020204" pitchFamily="34" charset="0"/>
-              </a:rPr>
-              <a:t>Kỹ</a:t>
-            </a:r>
-            <a:r>
-              <a:rPr lang="en-US" dirty="0" smtClean="0">
-                <a:latin typeface="Arial" panose="020B0604020202020204" pitchFamily="34" charset="0"/>
-                <a:cs typeface="Arial" panose="020B0604020202020204" pitchFamily="34" charset="0"/>
-              </a:rPr>
-              <a:t> </a:t>
-            </a:r>
-            <a:r>
-              <a:rPr lang="en-US" dirty="0" err="1" smtClean="0">
-                <a:latin typeface="Arial" panose="020B0604020202020204" pitchFamily="34" charset="0"/>
-                <a:cs typeface="Arial" panose="020B0604020202020204" pitchFamily="34" charset="0"/>
-              </a:rPr>
-              <a:t>thuật</a:t>
-            </a:r>
             <a:endParaRPr lang="en-US" dirty="0">
               <a:latin typeface="Arial" panose="020B0604020202020204" pitchFamily="34" charset="0"/>
               <a:cs typeface="Arial" panose="020B0604020202020204" pitchFamily="34" charset="0"/>
@@ -12112,8 +12652,29 @@
                 <a:latin typeface="Arial" panose="020B0604020202020204" pitchFamily="34" charset="0"/>
                 <a:cs typeface="Arial" panose="020B0604020202020204" pitchFamily="34" charset="0"/>
               </a:rPr>
+              <a:t>Java</a:t>
+            </a:r>
+            <a:endParaRPr lang="en-US" dirty="0" smtClean="0">
+              <a:latin typeface="Arial" panose="020B0604020202020204" pitchFamily="34" charset="0"/>
+              <a:cs typeface="Arial" panose="020B0604020202020204" pitchFamily="34" charset="0"/>
+            </a:endParaRPr>
+          </a:p>
+          <a:p>
+            <a:pPr lvl="1">
+              <a:buFont typeface="Wingdings" panose="05000000000000000000" pitchFamily="2" charset="2"/>
+              <a:buChar char="v"/>
+            </a:pPr>
+            <a:r>
+              <a:rPr lang="en-US" dirty="0" smtClean="0">
+                <a:latin typeface="Arial" panose="020B0604020202020204" pitchFamily="34" charset="0"/>
+                <a:cs typeface="Arial" panose="020B0604020202020204" pitchFamily="34" charset="0"/>
+              </a:rPr>
               <a:t>Angular</a:t>
             </a:r>
+            <a:endParaRPr lang="en-US" dirty="0" smtClean="0">
+              <a:latin typeface="Arial" panose="020B0604020202020204" pitchFamily="34" charset="0"/>
+              <a:cs typeface="Arial" panose="020B0604020202020204" pitchFamily="34" charset="0"/>
+            </a:endParaRPr>
           </a:p>
           <a:p>
             <a:pPr lvl="1">
@@ -12284,51 +12845,6 @@
           <a:bodyPr/>
           <a:lstStyle/>
           <a:p>
-            <a:pPr>
-              <a:buFont typeface="Wingdings" panose="05000000000000000000" pitchFamily="2" charset="2"/>
-              <a:buChar char="v"/>
-            </a:pPr>
-            <a:r>
-              <a:rPr lang="en-US" dirty="0" err="1" smtClean="0">
-                <a:latin typeface="Arial" panose="020B0604020202020204" pitchFamily="34" charset="0"/>
-                <a:cs typeface="Arial" panose="020B0604020202020204" pitchFamily="34" charset="0"/>
-              </a:rPr>
-              <a:t>Kỹ</a:t>
-            </a:r>
-            <a:r>
-              <a:rPr lang="en-US" dirty="0" smtClean="0">
-                <a:latin typeface="Arial" panose="020B0604020202020204" pitchFamily="34" charset="0"/>
-                <a:cs typeface="Arial" panose="020B0604020202020204" pitchFamily="34" charset="0"/>
-              </a:rPr>
-              <a:t> </a:t>
-            </a:r>
-            <a:r>
-              <a:rPr lang="en-US" dirty="0" err="1" smtClean="0">
-                <a:latin typeface="Arial" panose="020B0604020202020204" pitchFamily="34" charset="0"/>
-                <a:cs typeface="Arial" panose="020B0604020202020204" pitchFamily="34" charset="0"/>
-              </a:rPr>
-              <a:t>năng</a:t>
-            </a:r>
-            <a:r>
-              <a:rPr lang="en-US" dirty="0" smtClean="0">
-                <a:latin typeface="Arial" panose="020B0604020202020204" pitchFamily="34" charset="0"/>
-                <a:cs typeface="Arial" panose="020B0604020202020204" pitchFamily="34" charset="0"/>
-              </a:rPr>
-              <a:t> </a:t>
-            </a:r>
-            <a:r>
-              <a:rPr lang="en-US" dirty="0" err="1" smtClean="0">
-                <a:latin typeface="Arial" panose="020B0604020202020204" pitchFamily="34" charset="0"/>
-                <a:cs typeface="Arial" panose="020B0604020202020204" pitchFamily="34" charset="0"/>
-              </a:rPr>
-              <a:t>mềm</a:t>
-            </a:r>
-            <a:endParaRPr lang="en-US" dirty="0" smtClean="0">
-              <a:latin typeface="Arial" panose="020B0604020202020204" pitchFamily="34" charset="0"/>
-              <a:cs typeface="Arial" panose="020B0604020202020204" pitchFamily="34" charset="0"/>
-            </a:endParaRPr>
-          </a:p>
-          <a:p>
             <a:pPr lvl="1">
               <a:buFont typeface="Wingdings" panose="05000000000000000000" pitchFamily="2" charset="2"/>
               <a:buChar char="v"/>
@@ -12849,13 +13365,16 @@
           <a:lstStyle/>
           <a:p>
             <a:r>
-              <a:rPr lang="en-US" dirty="0">
-                <a:latin typeface="Arial" panose="020B0604020202020204" pitchFamily="34" charset="0"/>
-                <a:cs typeface="Arial" panose="020B0604020202020204" pitchFamily="34" charset="0"/>
-              </a:rPr>
-              <a:t>THU HOẠCH TỪ KHÓA FRESHER</a:t>
-            </a:r>
-            <a:endParaRPr lang="en-US" dirty="0"/>
+              <a:rPr lang="en-US" dirty="0" smtClean="0">
+                <a:latin typeface="Arial" panose="020B0604020202020204" pitchFamily="34" charset="0"/>
+                <a:cs typeface="Arial" panose="020B0604020202020204" pitchFamily="34" charset="0"/>
+              </a:rPr>
+              <a:t>KỸ NĂNG MỀM</a:t>
+            </a:r>
+            <a:endParaRPr lang="en-US" dirty="0">
+              <a:latin typeface="Arial" panose="020B0604020202020204" pitchFamily="34" charset="0"/>
+              <a:cs typeface="Arial" panose="020B0604020202020204" pitchFamily="34" charset="0"/>
+            </a:endParaRPr>
           </a:p>
         </p:txBody>
       </p:sp>
@@ -12946,7 +13465,7 @@
                                         <p:tgtEl>
                                           <p:spTgt spid="5">
                                             <p:txEl>
-                                              <p:pRg st="1" end="1"/>
+                                              <p:pRg st="0" end="0"/>
                                             </p:txEl>
                                           </p:spTgt>
                                         </p:tgtEl>
@@ -12964,7 +13483,7 @@
                                         <p:tgtEl>
                                           <p:spTgt spid="5">
                                             <p:txEl>
-                                              <p:pRg st="1" end="1"/>
+                                              <p:pRg st="0" end="0"/>
                                             </p:txEl>
                                           </p:spTgt>
                                         </p:tgtEl>
@@ -13007,7 +13526,7 @@
                                         <p:tgtEl>
                                           <p:spTgt spid="5">
                                             <p:txEl>
-                                              <p:pRg st="2" end="2"/>
+                                              <p:pRg st="1" end="1"/>
                                             </p:txEl>
                                           </p:spTgt>
                                         </p:tgtEl>
@@ -13025,7 +13544,7 @@
                                         <p:tgtEl>
                                           <p:spTgt spid="5">
                                             <p:txEl>
-                                              <p:pRg st="2" end="2"/>
+                                              <p:pRg st="1" end="1"/>
                                             </p:txEl>
                                           </p:spTgt>
                                         </p:tgtEl>
@@ -13068,7 +13587,7 @@
                                         <p:tgtEl>
                                           <p:spTgt spid="5">
                                             <p:txEl>
-                                              <p:pRg st="3" end="3"/>
+                                              <p:pRg st="2" end="2"/>
                                             </p:txEl>
                                           </p:spTgt>
                                         </p:tgtEl>
@@ -13086,7 +13605,7 @@
                                         <p:tgtEl>
                                           <p:spTgt spid="5">
                                             <p:txEl>
-                                              <p:pRg st="3" end="3"/>
+                                              <p:pRg st="2" end="2"/>
                                             </p:txEl>
                                           </p:spTgt>
                                         </p:tgtEl>
@@ -13129,7 +13648,7 @@
                                         <p:tgtEl>
                                           <p:spTgt spid="5">
                                             <p:txEl>
-                                              <p:pRg st="4" end="4"/>
+                                              <p:pRg st="3" end="3"/>
                                             </p:txEl>
                                           </p:spTgt>
                                         </p:tgtEl>
@@ -13147,7 +13666,7 @@
                                         <p:tgtEl>
                                           <p:spTgt spid="5">
                                             <p:txEl>
-                                              <p:pRg st="4" end="4"/>
+                                              <p:pRg st="3" end="3"/>
                                             </p:txEl>
                                           </p:spTgt>
                                         </p:tgtEl>
@@ -13190,7 +13709,7 @@
                                         <p:tgtEl>
                                           <p:spTgt spid="5">
                                             <p:txEl>
-                                              <p:pRg st="5" end="5"/>
+                                              <p:pRg st="4" end="4"/>
                                             </p:txEl>
                                           </p:spTgt>
                                         </p:tgtEl>
@@ -13208,7 +13727,7 @@
                                         <p:tgtEl>
                                           <p:spTgt spid="5">
                                             <p:txEl>
-                                              <p:pRg st="5" end="5"/>
+                                              <p:pRg st="4" end="4"/>
                                             </p:txEl>
                                           </p:spTgt>
                                         </p:tgtEl>
@@ -13251,7 +13770,7 @@
                                         <p:tgtEl>
                                           <p:spTgt spid="5">
                                             <p:txEl>
-                                              <p:pRg st="6" end="6"/>
+                                              <p:pRg st="5" end="5"/>
                                             </p:txEl>
                                           </p:spTgt>
                                         </p:tgtEl>
@@ -13269,7 +13788,7 @@
                                         <p:tgtEl>
                                           <p:spTgt spid="5">
                                             <p:txEl>
-                                              <p:pRg st="6" end="6"/>
+                                              <p:pRg st="5" end="5"/>
                                             </p:txEl>
                                           </p:spTgt>
                                         </p:tgtEl>
@@ -15764,8 +16283,8 @@
           </p:nvSpPr>
           <p:spPr bwMode="auto">
             <a:xfrm>
-              <a:off x="17117505" y="8796516"/>
-              <a:ext cx="6435725" cy="1393682"/>
+              <a:off x="17141621" y="8796516"/>
+              <a:ext cx="6435725" cy="1060862"/>
             </a:xfrm>
             <a:prstGeom prst="rect">
               <a:avLst/>
@@ -16120,46 +16639,6 @@
                   <a:cs typeface="Arial" panose="020B0604020202020204" pitchFamily="34" charset="0"/>
                 </a:rPr>
                 <a:t>đổi</a:t>
-              </a:r>
-              <a:r>
-                <a:rPr lang="en-US" altLang="en-US" sz="3200" b="0" dirty="0" smtClean="0">
-                  <a:solidFill>
-                    <a:schemeClr val="tx2"/>
-                  </a:solidFill>
-                  <a:latin typeface="Arial" panose="020B0604020202020204" pitchFamily="34" charset="0"/>
-                  <a:cs typeface="Arial" panose="020B0604020202020204" pitchFamily="34" charset="0"/>
-                </a:rPr>
-                <a:t>, </a:t>
-              </a:r>
-              <a:r>
-                <a:rPr lang="en-US" altLang="en-US" sz="3200" b="0" dirty="0" err="1" smtClean="0">
-                  <a:solidFill>
-                    <a:schemeClr val="tx2"/>
-                  </a:solidFill>
-                  <a:latin typeface="Arial" panose="020B0604020202020204" pitchFamily="34" charset="0"/>
-                  <a:cs typeface="Arial" panose="020B0604020202020204" pitchFamily="34" charset="0"/>
-                </a:rPr>
-                <a:t>phát</a:t>
-              </a:r>
-              <a:r>
-                <a:rPr lang="en-US" altLang="en-US" sz="3200" b="0" dirty="0" smtClean="0">
-                  <a:solidFill>
-                    <a:schemeClr val="tx2"/>
-                  </a:solidFill>
-                  <a:latin typeface="Arial" panose="020B0604020202020204" pitchFamily="34" charset="0"/>
-                  <a:cs typeface="Arial" panose="020B0604020202020204" pitchFamily="34" charset="0"/>
-                </a:rPr>
-                <a:t> </a:t>
-              </a:r>
-              <a:r>
-                <a:rPr lang="en-US" altLang="en-US" sz="3200" b="0" dirty="0" err="1" smtClean="0">
-                  <a:solidFill>
-                    <a:schemeClr val="tx2"/>
-                  </a:solidFill>
-                  <a:latin typeface="Arial" panose="020B0604020202020204" pitchFamily="34" charset="0"/>
-                  <a:cs typeface="Arial" panose="020B0604020202020204" pitchFamily="34" charset="0"/>
-                </a:rPr>
-                <a:t>triển</a:t>
               </a:r>
               <a:endParaRPr lang="en-US" altLang="en-US" sz="3200" b="0" dirty="0" smtClean="0">
                 <a:solidFill>
@@ -18338,31 +18817,9 @@
           <a:bodyPr/>
           <a:lstStyle/>
           <a:p>
-            <a:pPr>
-              <a:buFont typeface="Wingdings" panose="05000000000000000000" pitchFamily="2" charset="2"/>
-              <a:buChar char="Ø"/>
+            <a:pPr marL="0" indent="0">
+              <a:buNone/>
             </a:pPr>
-            <a:r>
-              <a:rPr lang="en-US" dirty="0" err="1" smtClean="0">
-                <a:latin typeface="Arial" panose="020B0604020202020204" pitchFamily="34" charset="0"/>
-                <a:cs typeface="Arial" panose="020B0604020202020204" pitchFamily="34" charset="0"/>
-              </a:rPr>
-              <a:t>Ngắn</a:t>
-            </a:r>
-            <a:r>
-              <a:rPr lang="en-US" dirty="0" smtClean="0">
-                <a:latin typeface="Arial" panose="020B0604020202020204" pitchFamily="34" charset="0"/>
-                <a:cs typeface="Arial" panose="020B0604020202020204" pitchFamily="34" charset="0"/>
-              </a:rPr>
-              <a:t> </a:t>
-            </a:r>
-            <a:r>
-              <a:rPr lang="en-US" dirty="0" err="1" smtClean="0">
-                <a:latin typeface="Arial" panose="020B0604020202020204" pitchFamily="34" charset="0"/>
-                <a:cs typeface="Arial" panose="020B0604020202020204" pitchFamily="34" charset="0"/>
-              </a:rPr>
-              <a:t>hạn</a:t>
-            </a:r>
             <a:endParaRPr lang="en-US" dirty="0" smtClean="0">
               <a:latin typeface="Arial" panose="020B0604020202020204" pitchFamily="34" charset="0"/>
               <a:cs typeface="Arial" panose="020B0604020202020204" pitchFamily="34" charset="0"/>
@@ -18520,42 +18977,70 @@
               <a:t> </a:t>
             </a:r>
             <a:r>
-              <a:rPr lang="en-US" dirty="0" err="1">
-                <a:latin typeface="Arial" panose="020B0604020202020204" pitchFamily="34" charset="0"/>
-                <a:cs typeface="Arial" panose="020B0604020202020204" pitchFamily="34" charset="0"/>
-              </a:rPr>
-              <a:t>các</a:t>
-            </a:r>
-            <a:r>
-              <a:rPr lang="en-US" dirty="0">
+              <a:rPr lang="en-US" dirty="0" err="1" smtClean="0">
+                <a:latin typeface="Arial" panose="020B0604020202020204" pitchFamily="34" charset="0"/>
+                <a:cs typeface="Arial" panose="020B0604020202020204" pitchFamily="34" charset="0"/>
+              </a:rPr>
+              <a:t>tiếng</a:t>
+            </a:r>
+            <a:r>
+              <a:rPr lang="en-US" dirty="0" smtClean="0">
                 <a:latin typeface="Arial" panose="020B0604020202020204" pitchFamily="34" charset="0"/>
                 <a:cs typeface="Arial" panose="020B0604020202020204" pitchFamily="34" charset="0"/>
               </a:rPr>
               <a:t> </a:t>
             </a:r>
             <a:r>
-              <a:rPr lang="en-US" dirty="0" err="1">
-                <a:latin typeface="Arial" panose="020B0604020202020204" pitchFamily="34" charset="0"/>
-                <a:cs typeface="Arial" panose="020B0604020202020204" pitchFamily="34" charset="0"/>
-              </a:rPr>
-              <a:t>mặt</a:t>
-            </a:r>
-            <a:r>
-              <a:rPr lang="en-US" dirty="0">
+              <a:rPr lang="en-US" dirty="0" err="1" smtClean="0">
+                <a:latin typeface="Arial" panose="020B0604020202020204" pitchFamily="34" charset="0"/>
+                <a:cs typeface="Arial" panose="020B0604020202020204" pitchFamily="34" charset="0"/>
+              </a:rPr>
+              <a:t>Nhật</a:t>
+            </a:r>
+            <a:r>
+              <a:rPr lang="en-US" dirty="0" smtClean="0">
+                <a:latin typeface="Arial" panose="020B0604020202020204" pitchFamily="34" charset="0"/>
+                <a:cs typeface="Arial" panose="020B0604020202020204" pitchFamily="34" charset="0"/>
+              </a:rPr>
+              <a:t>, </a:t>
+            </a:r>
+            <a:r>
+              <a:rPr lang="en-US" dirty="0" err="1" smtClean="0">
+                <a:latin typeface="Arial" panose="020B0604020202020204" pitchFamily="34" charset="0"/>
+                <a:cs typeface="Arial" panose="020B0604020202020204" pitchFamily="34" charset="0"/>
+              </a:rPr>
+              <a:t>đạt</a:t>
+            </a:r>
+            <a:r>
+              <a:rPr lang="en-US" dirty="0" smtClean="0">
+                <a:latin typeface="Arial" panose="020B0604020202020204" pitchFamily="34" charset="0"/>
+                <a:cs typeface="Arial" panose="020B0604020202020204" pitchFamily="34" charset="0"/>
+              </a:rPr>
+              <a:t> N5 </a:t>
+            </a:r>
+            <a:r>
+              <a:rPr lang="en-US" dirty="0" err="1" smtClean="0">
+                <a:latin typeface="Arial" panose="020B0604020202020204" pitchFamily="34" charset="0"/>
+                <a:cs typeface="Arial" panose="020B0604020202020204" pitchFamily="34" charset="0"/>
+              </a:rPr>
+              <a:t>vào</a:t>
+            </a:r>
+            <a:r>
+              <a:rPr lang="en-US" dirty="0" smtClean="0">
                 <a:latin typeface="Arial" panose="020B0604020202020204" pitchFamily="34" charset="0"/>
                 <a:cs typeface="Arial" panose="020B0604020202020204" pitchFamily="34" charset="0"/>
               </a:rPr>
               <a:t> </a:t>
             </a:r>
             <a:r>
-              <a:rPr lang="en-US" dirty="0" err="1">
-                <a:latin typeface="Arial" panose="020B0604020202020204" pitchFamily="34" charset="0"/>
-                <a:cs typeface="Arial" panose="020B0604020202020204" pitchFamily="34" charset="0"/>
-              </a:rPr>
-              <a:t>còn</a:t>
-            </a:r>
-            <a:r>
-              <a:rPr lang="en-US" dirty="0">
+              <a:rPr lang="en-US" dirty="0" err="1" smtClean="0">
+                <a:latin typeface="Arial" panose="020B0604020202020204" pitchFamily="34" charset="0"/>
+                <a:cs typeface="Arial" panose="020B0604020202020204" pitchFamily="34" charset="0"/>
+              </a:rPr>
+              <a:t>năm</a:t>
+            </a:r>
+            <a:r>
+              <a:rPr lang="en-US" dirty="0" smtClean="0">
                 <a:latin typeface="Arial" panose="020B0604020202020204" pitchFamily="34" charset="0"/>
                 <a:cs typeface="Arial" panose="020B0604020202020204" pitchFamily="34" charset="0"/>
               </a:rPr>
@@ -18566,38 +19051,7 @@
                 <a:latin typeface="Arial" panose="020B0604020202020204" pitchFamily="34" charset="0"/>
                 <a:cs typeface="Arial" panose="020B0604020202020204" pitchFamily="34" charset="0"/>
               </a:rPr>
-              <a:t>yếu</a:t>
-            </a:r>
-            <a:endParaRPr lang="en-US" dirty="0" smtClean="0">
-              <a:latin typeface="Arial" panose="020B0604020202020204" pitchFamily="34" charset="0"/>
-              <a:cs typeface="Arial" panose="020B0604020202020204" pitchFamily="34" charset="0"/>
-            </a:endParaRPr>
-          </a:p>
-          <a:p>
-            <a:pPr>
-              <a:buFont typeface="Wingdings" panose="05000000000000000000" pitchFamily="2" charset="2"/>
-              <a:buChar char="Ø"/>
-            </a:pPr>
-            <a:r>
-              <a:rPr lang="en-US" dirty="0" err="1" smtClean="0">
-                <a:latin typeface="Arial" panose="020B0604020202020204" pitchFamily="34" charset="0"/>
-                <a:cs typeface="Arial" panose="020B0604020202020204" pitchFamily="34" charset="0"/>
-              </a:rPr>
-              <a:t>Dài</a:t>
-            </a:r>
-            <a:r>
-              <a:rPr lang="en-US" dirty="0" smtClean="0">
-                <a:latin typeface="Arial" panose="020B0604020202020204" pitchFamily="34" charset="0"/>
-                <a:cs typeface="Arial" panose="020B0604020202020204" pitchFamily="34" charset="0"/>
-              </a:rPr>
-              <a:t> </a:t>
-            </a:r>
-            <a:r>
-              <a:rPr lang="en-US" dirty="0" err="1" smtClean="0">
-                <a:latin typeface="Arial" panose="020B0604020202020204" pitchFamily="34" charset="0"/>
-                <a:cs typeface="Arial" panose="020B0604020202020204" pitchFamily="34" charset="0"/>
-              </a:rPr>
-              <a:t>hạn</a:t>
+              <a:t>tới</a:t>
             </a:r>
             <a:endParaRPr lang="en-US" dirty="0" smtClean="0">
               <a:latin typeface="Arial" panose="020B0604020202020204" pitchFamily="34" charset="0"/>
@@ -18610,231 +19064,46 @@
               <a:buChar char="•"/>
             </a:pPr>
             <a:r>
+              <a:rPr lang="en-US" dirty="0" err="1" smtClean="0">
+                <a:latin typeface="Arial" panose="020B0604020202020204" pitchFamily="34" charset="0"/>
+                <a:cs typeface="Arial" panose="020B0604020202020204" pitchFamily="34" charset="0"/>
+              </a:rPr>
+              <a:t>Thành</a:t>
+            </a:r>
+            <a:r>
               <a:rPr lang="en-US" dirty="0" smtClean="0">
                 <a:latin typeface="Arial" panose="020B0604020202020204" pitchFamily="34" charset="0"/>
                 <a:cs typeface="Arial" panose="020B0604020202020204" pitchFamily="34" charset="0"/>
               </a:rPr>
-              <a:t>Senior DE </a:t>
+              <a:t> </a:t>
             </a:r>
             <a:r>
               <a:rPr lang="en-US" dirty="0" err="1" smtClean="0">
                 <a:latin typeface="Arial" panose="020B0604020202020204" pitchFamily="34" charset="0"/>
                 <a:cs typeface="Arial" panose="020B0604020202020204" pitchFamily="34" charset="0"/>
               </a:rPr>
-              <a:t>trong</a:t>
+              <a:t>thạo</a:t>
+            </a:r>
+            <a:r>
+              <a:rPr lang="en-US" dirty="0">
+                <a:latin typeface="Arial" panose="020B0604020202020204" pitchFamily="34" charset="0"/>
+                <a:cs typeface="Arial" panose="020B0604020202020204" pitchFamily="34" charset="0"/>
+              </a:rPr>
+              <a:t> </a:t>
             </a:r>
             <a:r>
               <a:rPr lang="en-US" dirty="0" smtClean="0">
                 <a:latin typeface="Arial" panose="020B0604020202020204" pitchFamily="34" charset="0"/>
                 <a:cs typeface="Arial" panose="020B0604020202020204" pitchFamily="34" charset="0"/>
               </a:rPr>
-              <a:t> 4 – 5 </a:t>
-            </a:r>
-            <a:r>
-              <a:rPr lang="en-US" dirty="0" err="1" smtClean="0">
-                <a:latin typeface="Arial" panose="020B0604020202020204" pitchFamily="34" charset="0"/>
-                <a:cs typeface="Arial" panose="020B0604020202020204" pitchFamily="34" charset="0"/>
-              </a:rPr>
-              <a:t>năm</a:t>
-            </a:r>
-            <a:endParaRPr lang="en-US" dirty="0" smtClean="0">
-              <a:latin typeface="Arial" panose="020B0604020202020204" pitchFamily="34" charset="0"/>
-              <a:cs typeface="Arial" panose="020B0604020202020204" pitchFamily="34" charset="0"/>
-            </a:endParaRPr>
+              <a:t>Java</a:t>
+            </a:r>
           </a:p>
           <a:p>
             <a:pPr lvl="1">
               <a:buFont typeface="Arial" panose="020B0604020202020204" pitchFamily="34" charset="0"/>
               <a:buChar char="•"/>
             </a:pPr>
-            <a:r>
-              <a:rPr lang="en-US" dirty="0" err="1">
-                <a:latin typeface="Arial" panose="020B0604020202020204" pitchFamily="34" charset="0"/>
-                <a:cs typeface="Arial" panose="020B0604020202020204" pitchFamily="34" charset="0"/>
-              </a:rPr>
-              <a:t>Tiếng</a:t>
-            </a:r>
-            <a:r>
-              <a:rPr lang="en-US" dirty="0">
-                <a:latin typeface="Arial" panose="020B0604020202020204" pitchFamily="34" charset="0"/>
-                <a:cs typeface="Arial" panose="020B0604020202020204" pitchFamily="34" charset="0"/>
-              </a:rPr>
-              <a:t> </a:t>
-            </a:r>
-            <a:r>
-              <a:rPr lang="en-US" dirty="0" err="1">
-                <a:latin typeface="Arial" panose="020B0604020202020204" pitchFamily="34" charset="0"/>
-                <a:cs typeface="Arial" panose="020B0604020202020204" pitchFamily="34" charset="0"/>
-              </a:rPr>
-              <a:t>Nhật</a:t>
-            </a:r>
-            <a:r>
-              <a:rPr lang="en-US" dirty="0">
-                <a:latin typeface="Arial" panose="020B0604020202020204" pitchFamily="34" charset="0"/>
-                <a:cs typeface="Arial" panose="020B0604020202020204" pitchFamily="34" charset="0"/>
-              </a:rPr>
-              <a:t> </a:t>
-            </a:r>
-            <a:r>
-              <a:rPr lang="en-US" dirty="0" err="1">
-                <a:latin typeface="Arial" panose="020B0604020202020204" pitchFamily="34" charset="0"/>
-                <a:cs typeface="Arial" panose="020B0604020202020204" pitchFamily="34" charset="0"/>
-              </a:rPr>
-              <a:t>đạt</a:t>
-            </a:r>
-            <a:r>
-              <a:rPr lang="en-US" dirty="0">
-                <a:latin typeface="Arial" panose="020B0604020202020204" pitchFamily="34" charset="0"/>
-                <a:cs typeface="Arial" panose="020B0604020202020204" pitchFamily="34" charset="0"/>
-              </a:rPr>
-              <a:t> N4 </a:t>
-            </a:r>
-            <a:r>
-              <a:rPr lang="en-US" dirty="0" err="1">
-                <a:latin typeface="Arial" panose="020B0604020202020204" pitchFamily="34" charset="0"/>
-                <a:cs typeface="Arial" panose="020B0604020202020204" pitchFamily="34" charset="0"/>
-              </a:rPr>
-              <a:t>trong</a:t>
-            </a:r>
-            <a:r>
-              <a:rPr lang="en-US" dirty="0">
-                <a:latin typeface="Arial" panose="020B0604020202020204" pitchFamily="34" charset="0"/>
-                <a:cs typeface="Arial" panose="020B0604020202020204" pitchFamily="34" charset="0"/>
-              </a:rPr>
-              <a:t> </a:t>
-            </a:r>
-            <a:r>
-              <a:rPr lang="en-US" dirty="0" err="1">
-                <a:latin typeface="Arial" panose="020B0604020202020204" pitchFamily="34" charset="0"/>
-                <a:cs typeface="Arial" panose="020B0604020202020204" pitchFamily="34" charset="0"/>
-              </a:rPr>
-              <a:t>năm</a:t>
-            </a:r>
-            <a:r>
-              <a:rPr lang="en-US" dirty="0">
-                <a:latin typeface="Arial" panose="020B0604020202020204" pitchFamily="34" charset="0"/>
-                <a:cs typeface="Arial" panose="020B0604020202020204" pitchFamily="34" charset="0"/>
-              </a:rPr>
-              <a:t> </a:t>
-            </a:r>
-            <a:r>
-              <a:rPr lang="en-US" dirty="0" smtClean="0">
-                <a:latin typeface="Arial" panose="020B0604020202020204" pitchFamily="34" charset="0"/>
-                <a:cs typeface="Arial" panose="020B0604020202020204" pitchFamily="34" charset="0"/>
-              </a:rPr>
-              <a:t>2021</a:t>
-            </a:r>
-          </a:p>
-          <a:p>
-            <a:pPr lvl="1">
-              <a:buFont typeface="Arial" panose="020B0604020202020204" pitchFamily="34" charset="0"/>
-              <a:buChar char="•"/>
-            </a:pPr>
-            <a:r>
-              <a:rPr lang="en-US" dirty="0" err="1" smtClean="0">
-                <a:latin typeface="Arial" panose="020B0604020202020204" pitchFamily="34" charset="0"/>
-                <a:cs typeface="Arial" panose="020B0604020202020204" pitchFamily="34" charset="0"/>
-              </a:rPr>
-              <a:t>Học</a:t>
-            </a:r>
-            <a:r>
-              <a:rPr lang="en-US" dirty="0" smtClean="0">
-                <a:latin typeface="Arial" panose="020B0604020202020204" pitchFamily="34" charset="0"/>
-                <a:cs typeface="Arial" panose="020B0604020202020204" pitchFamily="34" charset="0"/>
-              </a:rPr>
-              <a:t> </a:t>
-            </a:r>
-            <a:r>
-              <a:rPr lang="en-US" dirty="0" err="1" smtClean="0">
-                <a:latin typeface="Arial" panose="020B0604020202020204" pitchFamily="34" charset="0"/>
-                <a:cs typeface="Arial" panose="020B0604020202020204" pitchFamily="34" charset="0"/>
-              </a:rPr>
-              <a:t>thêm</a:t>
-            </a:r>
-            <a:r>
-              <a:rPr lang="en-US" dirty="0" smtClean="0">
-                <a:latin typeface="Arial" panose="020B0604020202020204" pitchFamily="34" charset="0"/>
-                <a:cs typeface="Arial" panose="020B0604020202020204" pitchFamily="34" charset="0"/>
-              </a:rPr>
-              <a:t> </a:t>
-            </a:r>
-            <a:r>
-              <a:rPr lang="en-US" dirty="0" err="1" smtClean="0">
-                <a:latin typeface="Arial" panose="020B0604020202020204" pitchFamily="34" charset="0"/>
-                <a:cs typeface="Arial" panose="020B0604020202020204" pitchFamily="34" charset="0"/>
-              </a:rPr>
-              <a:t>các</a:t>
-            </a:r>
-            <a:r>
-              <a:rPr lang="en-US" dirty="0" smtClean="0">
-                <a:latin typeface="Arial" panose="020B0604020202020204" pitchFamily="34" charset="0"/>
-                <a:cs typeface="Arial" panose="020B0604020202020204" pitchFamily="34" charset="0"/>
-              </a:rPr>
-              <a:t> </a:t>
-            </a:r>
-            <a:r>
-              <a:rPr lang="en-US" dirty="0" err="1" smtClean="0">
-                <a:latin typeface="Arial" panose="020B0604020202020204" pitchFamily="34" charset="0"/>
-                <a:cs typeface="Arial" panose="020B0604020202020204" pitchFamily="34" charset="0"/>
-              </a:rPr>
-              <a:t>công</a:t>
-            </a:r>
-            <a:r>
-              <a:rPr lang="en-US" dirty="0" smtClean="0">
-                <a:latin typeface="Arial" panose="020B0604020202020204" pitchFamily="34" charset="0"/>
-                <a:cs typeface="Arial" panose="020B0604020202020204" pitchFamily="34" charset="0"/>
-              </a:rPr>
-              <a:t> </a:t>
-            </a:r>
-            <a:r>
-              <a:rPr lang="en-US" dirty="0" err="1" smtClean="0">
-                <a:latin typeface="Arial" panose="020B0604020202020204" pitchFamily="34" charset="0"/>
-                <a:cs typeface="Arial" panose="020B0604020202020204" pitchFamily="34" charset="0"/>
-              </a:rPr>
-              <a:t>nghệ</a:t>
-            </a:r>
-            <a:r>
-              <a:rPr lang="en-US" dirty="0" smtClean="0">
-                <a:latin typeface="Arial" panose="020B0604020202020204" pitchFamily="34" charset="0"/>
-                <a:cs typeface="Arial" panose="020B0604020202020204" pitchFamily="34" charset="0"/>
-              </a:rPr>
-              <a:t>, </a:t>
-            </a:r>
-            <a:r>
-              <a:rPr lang="en-US" dirty="0" err="1" smtClean="0">
-                <a:latin typeface="Arial" panose="020B0604020202020204" pitchFamily="34" charset="0"/>
-                <a:cs typeface="Arial" panose="020B0604020202020204" pitchFamily="34" charset="0"/>
-              </a:rPr>
-              <a:t>ngôn</a:t>
-            </a:r>
-            <a:r>
-              <a:rPr lang="en-US" dirty="0" smtClean="0">
-                <a:latin typeface="Arial" panose="020B0604020202020204" pitchFamily="34" charset="0"/>
-                <a:cs typeface="Arial" panose="020B0604020202020204" pitchFamily="34" charset="0"/>
-              </a:rPr>
-              <a:t> </a:t>
-            </a:r>
-            <a:r>
-              <a:rPr lang="en-US" dirty="0" err="1" smtClean="0">
-                <a:latin typeface="Arial" panose="020B0604020202020204" pitchFamily="34" charset="0"/>
-                <a:cs typeface="Arial" panose="020B0604020202020204" pitchFamily="34" charset="0"/>
-              </a:rPr>
-              <a:t>ngữ</a:t>
-            </a:r>
-            <a:r>
-              <a:rPr lang="en-US" dirty="0" smtClean="0">
-                <a:latin typeface="Arial" panose="020B0604020202020204" pitchFamily="34" charset="0"/>
-                <a:cs typeface="Arial" panose="020B0604020202020204" pitchFamily="34" charset="0"/>
-              </a:rPr>
-              <a:t> </a:t>
-            </a:r>
-            <a:r>
-              <a:rPr lang="en-US" dirty="0" err="1" smtClean="0">
-                <a:latin typeface="Arial" panose="020B0604020202020204" pitchFamily="34" charset="0"/>
-                <a:cs typeface="Arial" panose="020B0604020202020204" pitchFamily="34" charset="0"/>
-              </a:rPr>
-              <a:t>mới</a:t>
-            </a:r>
             <a:endParaRPr lang="en-US" dirty="0" smtClean="0">
               <a:latin typeface="Arial" panose="020B0604020202020204" pitchFamily="34" charset="0"/>
               <a:cs typeface="Arial" panose="020B0604020202020204" pitchFamily="34" charset="0"/>
@@ -18872,7 +19141,14 @@
                 <a:latin typeface="Arial" panose="020B0604020202020204" pitchFamily="34" charset="0"/>
                 <a:cs typeface="Arial" panose="020B0604020202020204" pitchFamily="34" charset="0"/>
               </a:rPr>
-              <a:t>MỤC TIÊU CÁ NHÂN</a:t>
+              <a:t>MỤC TIÊU </a:t>
+            </a:r>
+            <a:r>
+              <a:rPr lang="en-US" dirty="0" smtClean="0">
+                <a:latin typeface="Arial" panose="020B0604020202020204" pitchFamily="34" charset="0"/>
+                <a:cs typeface="Arial" panose="020B0604020202020204" pitchFamily="34" charset="0"/>
+              </a:rPr>
+              <a:t>NGẮN HẠN</a:t>
             </a:r>
             <a:endParaRPr lang="en-US" dirty="0">
               <a:latin typeface="Arial" panose="020B0604020202020204" pitchFamily="34" charset="0"/>
@@ -18985,6 +19261,9 @@
                     <p:cTn id="3" fill="hold">
                       <p:stCondLst>
                         <p:cond delay="indefinite"/>
+                        <p:cond evt="onBegin" delay="0">
+                          <p:tn val="2"/>
+                        </p:cond>
                       </p:stCondLst>
                       <p:childTnLst>
                         <p:par>
@@ -18994,7 +19273,7 @@
                             </p:stCondLst>
                             <p:childTnLst>
                               <p:par>
-                                <p:cTn id="5" presetID="10" presetClass="entr" presetSubtype="0" fill="hold" nodeType="clickEffect">
+                                <p:cTn id="5" presetID="10" presetClass="entr" presetSubtype="0" fill="hold" nodeType="withEffect">
                                   <p:stCondLst>
                                     <p:cond delay="0"/>
                                   </p:stCondLst>
@@ -19009,7 +19288,7 @@
                                         <p:tgtEl>
                                           <p:spTgt spid="5">
                                             <p:txEl>
-                                              <p:pRg st="0" end="0"/>
+                                              <p:pRg st="1" end="1"/>
                                             </p:txEl>
                                           </p:spTgt>
                                         </p:tgtEl>
@@ -19027,7 +19306,7 @@
                                         <p:tgtEl>
                                           <p:spTgt spid="5">
                                             <p:txEl>
-                                              <p:pRg st="0" end="0"/>
+                                              <p:pRg st="1" end="1"/>
                                             </p:txEl>
                                           </p:spTgt>
                                         </p:tgtEl>
@@ -19052,7 +19331,7 @@
                                         <p:tgtEl>
                                           <p:spTgt spid="5">
                                             <p:txEl>
-                                              <p:pRg st="1" end="1"/>
+                                              <p:pRg st="2" end="2"/>
                                             </p:txEl>
                                           </p:spTgt>
                                         </p:tgtEl>
@@ -19070,7 +19349,7 @@
                                         <p:tgtEl>
                                           <p:spTgt spid="5">
                                             <p:txEl>
-                                              <p:pRg st="1" end="1"/>
+                                              <p:pRg st="2" end="2"/>
                                             </p:txEl>
                                           </p:spTgt>
                                         </p:tgtEl>
@@ -19095,7 +19374,7 @@
                                         <p:tgtEl>
                                           <p:spTgt spid="5">
                                             <p:txEl>
-                                              <p:pRg st="2" end="2"/>
+                                              <p:pRg st="3" end="3"/>
                                             </p:txEl>
                                           </p:spTgt>
                                         </p:tgtEl>
@@ -19113,197 +19392,7 @@
                                         <p:tgtEl>
                                           <p:spTgt spid="5">
                                             <p:txEl>
-                                              <p:pRg st="2" end="2"/>
-                                            </p:txEl>
-                                          </p:spTgt>
-                                        </p:tgtEl>
-                                      </p:cBhvr>
-                                    </p:animEffect>
-                                  </p:childTnLst>
-                                </p:cTn>
-                              </p:par>
-                            </p:childTnLst>
-                          </p:cTn>
-                        </p:par>
-                      </p:childTnLst>
-                    </p:cTn>
-                  </p:par>
-                  <p:par>
-                    <p:cTn id="14" fill="hold">
-                      <p:stCondLst>
-                        <p:cond delay="indefinite"/>
-                      </p:stCondLst>
-                      <p:childTnLst>
-                        <p:par>
-                          <p:cTn id="15" fill="hold">
-                            <p:stCondLst>
-                              <p:cond delay="0"/>
-                            </p:stCondLst>
-                            <p:childTnLst>
-                              <p:par>
-                                <p:cTn id="16" presetID="10" presetClass="entr" presetSubtype="0" fill="hold" nodeType="clickEffect">
-                                  <p:stCondLst>
-                                    <p:cond delay="0"/>
-                                  </p:stCondLst>
-                                  <p:childTnLst>
-                                    <p:set>
-                                      <p:cBhvr>
-                                        <p:cTn id="17" dur="1" fill="hold">
-                                          <p:stCondLst>
-                                            <p:cond delay="0"/>
-                                          </p:stCondLst>
-                                        </p:cTn>
-                                        <p:tgtEl>
-                                          <p:spTgt spid="5">
-                                            <p:txEl>
                                               <p:pRg st="3" end="3"/>
-                                            </p:txEl>
-                                          </p:spTgt>
-                                        </p:tgtEl>
-                                        <p:attrNameLst>
-                                          <p:attrName>style.visibility</p:attrName>
-                                        </p:attrNameLst>
-                                      </p:cBhvr>
-                                      <p:to>
-                                        <p:strVal val="visible"/>
-                                      </p:to>
-                                    </p:set>
-                                    <p:animEffect transition="in" filter="fade">
-                                      <p:cBhvr>
-                                        <p:cTn id="18" dur="500"/>
-                                        <p:tgtEl>
-                                          <p:spTgt spid="5">
-                                            <p:txEl>
-                                              <p:pRg st="3" end="3"/>
-                                            </p:txEl>
-                                          </p:spTgt>
-                                        </p:tgtEl>
-                                      </p:cBhvr>
-                                    </p:animEffect>
-                                  </p:childTnLst>
-                                </p:cTn>
-                              </p:par>
-                              <p:par>
-                                <p:cTn id="19" presetID="10" presetClass="entr" presetSubtype="0" fill="hold" nodeType="withEffect">
-                                  <p:stCondLst>
-                                    <p:cond delay="0"/>
-                                  </p:stCondLst>
-                                  <p:childTnLst>
-                                    <p:set>
-                                      <p:cBhvr>
-                                        <p:cTn id="20" dur="1" fill="hold">
-                                          <p:stCondLst>
-                                            <p:cond delay="0"/>
-                                          </p:stCondLst>
-                                        </p:cTn>
-                                        <p:tgtEl>
-                                          <p:spTgt spid="5">
-                                            <p:txEl>
-                                              <p:pRg st="4" end="4"/>
-                                            </p:txEl>
-                                          </p:spTgt>
-                                        </p:tgtEl>
-                                        <p:attrNameLst>
-                                          <p:attrName>style.visibility</p:attrName>
-                                        </p:attrNameLst>
-                                      </p:cBhvr>
-                                      <p:to>
-                                        <p:strVal val="visible"/>
-                                      </p:to>
-                                    </p:set>
-                                    <p:animEffect transition="in" filter="fade">
-                                      <p:cBhvr>
-                                        <p:cTn id="21" dur="500"/>
-                                        <p:tgtEl>
-                                          <p:spTgt spid="5">
-                                            <p:txEl>
-                                              <p:pRg st="4" end="4"/>
-                                            </p:txEl>
-                                          </p:spTgt>
-                                        </p:tgtEl>
-                                      </p:cBhvr>
-                                    </p:animEffect>
-                                  </p:childTnLst>
-                                </p:cTn>
-                              </p:par>
-                              <p:par>
-                                <p:cTn id="22" presetID="10" presetClass="entr" presetSubtype="0" fill="hold" nodeType="withEffect">
-                                  <p:stCondLst>
-                                    <p:cond delay="0"/>
-                                  </p:stCondLst>
-                                  <p:childTnLst>
-                                    <p:set>
-                                      <p:cBhvr>
-                                        <p:cTn id="23" dur="1" fill="hold">
-                                          <p:stCondLst>
-                                            <p:cond delay="0"/>
-                                          </p:stCondLst>
-                                        </p:cTn>
-                                        <p:tgtEl>
-                                          <p:spTgt spid="5">
-                                            <p:txEl>
-                                              <p:pRg st="5" end="5"/>
-                                            </p:txEl>
-                                          </p:spTgt>
-                                        </p:tgtEl>
-                                        <p:attrNameLst>
-                                          <p:attrName>style.visibility</p:attrName>
-                                        </p:attrNameLst>
-                                      </p:cBhvr>
-                                      <p:to>
-                                        <p:strVal val="visible"/>
-                                      </p:to>
-                                    </p:set>
-                                    <p:animEffect transition="in" filter="fade">
-                                      <p:cBhvr>
-                                        <p:cTn id="24" dur="500"/>
-                                        <p:tgtEl>
-                                          <p:spTgt spid="5">
-                                            <p:txEl>
-                                              <p:pRg st="5" end="5"/>
-                                            </p:txEl>
-                                          </p:spTgt>
-                                        </p:tgtEl>
-                                      </p:cBhvr>
-                                    </p:animEffect>
-                                  </p:childTnLst>
-                                </p:cTn>
-                              </p:par>
-                              <p:par>
-                                <p:cTn id="25" presetID="10" presetClass="entr" presetSubtype="0" fill="hold" nodeType="withEffect">
-                                  <p:stCondLst>
-                                    <p:cond delay="0"/>
-                                  </p:stCondLst>
-                                  <p:childTnLst>
-                                    <p:set>
-                                      <p:cBhvr>
-                                        <p:cTn id="26" dur="1" fill="hold">
-                                          <p:stCondLst>
-                                            <p:cond delay="0"/>
-                                          </p:stCondLst>
-                                        </p:cTn>
-                                        <p:tgtEl>
-                                          <p:spTgt spid="5">
-                                            <p:txEl>
-                                              <p:pRg st="6" end="6"/>
-                                            </p:txEl>
-                                          </p:spTgt>
-                                        </p:tgtEl>
-                                        <p:attrNameLst>
-                                          <p:attrName>style.visibility</p:attrName>
-                                        </p:attrNameLst>
-                                      </p:cBhvr>
-                                      <p:to>
-                                        <p:strVal val="visible"/>
-                                      </p:to>
-                                    </p:set>
-                                    <p:animEffect transition="in" filter="fade">
-                                      <p:cBhvr>
-                                        <p:cTn id="27" dur="500"/>
-                                        <p:tgtEl>
-                                          <p:spTgt spid="5">
-                                            <p:txEl>
-                                              <p:pRg st="6" end="6"/>
                                             </p:txEl>
                                           </p:spTgt>
                                         </p:tgtEl>

--- a/PR-K03/cuongttc.pptx
+++ b/PR-K03/cuongttc.pptx
@@ -9666,7 +9666,7 @@
                 <a:latin typeface="Arial" panose="020B0604020202020204" pitchFamily="34" charset="0"/>
                 <a:cs typeface="Arial" panose="020B0604020202020204" pitchFamily="34" charset="0"/>
               </a:rPr>
-              <a:t>2020-07</a:t>
+              <a:t>2020/07</a:t>
             </a:r>
             <a:endParaRPr kumimoji="1" lang="ja-JP" altLang="en-US" dirty="0">
               <a:latin typeface="Arial" panose="020B0604020202020204" pitchFamily="34" charset="0"/>
@@ -9732,8 +9732,9 @@
           <a:bodyPr/>
           <a:lstStyle/>
           <a:p>
-            <a:pPr marL="0" indent="0">
-              <a:buNone/>
+            <a:pPr lvl="1">
+              <a:buFont typeface="Arial" panose="020B0604020202020204" pitchFamily="34" charset="0"/>
+              <a:buChar char="•"/>
             </a:pPr>
             <a:endParaRPr lang="en-US" dirty="0" smtClean="0">
               <a:latin typeface="Arial" panose="020B0604020202020204" pitchFamily="34" charset="0"/>
@@ -9773,10 +9774,6 @@
               </a:rPr>
               <a:t> Senior Software Engineer</a:t>
             </a:r>
-            <a:endParaRPr lang="en-US" dirty="0" smtClean="0">
-              <a:latin typeface="Arial" panose="020B0604020202020204" pitchFamily="34" charset="0"/>
-              <a:cs typeface="Arial" panose="020B0604020202020204" pitchFamily="34" charset="0"/>
-            </a:endParaRPr>
           </a:p>
           <a:p>
             <a:pPr lvl="1">
@@ -9860,10 +9857,6 @@
               </a:rPr>
               <a:t> 2022</a:t>
             </a:r>
-            <a:endParaRPr lang="en-US" dirty="0" smtClean="0">
-              <a:latin typeface="Arial" panose="020B0604020202020204" pitchFamily="34" charset="0"/>
-              <a:cs typeface="Arial" panose="020B0604020202020204" pitchFamily="34" charset="0"/>
-            </a:endParaRPr>
           </a:p>
           <a:p>
             <a:pPr lvl="1">
@@ -9959,7 +9952,21 @@
                 <a:latin typeface="Arial" panose="020B0604020202020204" pitchFamily="34" charset="0"/>
                 <a:cs typeface="Arial" panose="020B0604020202020204" pitchFamily="34" charset="0"/>
               </a:rPr>
-              <a:t>nữa</a:t>
+              <a:t>lập</a:t>
+            </a:r>
+            <a:r>
+              <a:rPr lang="en-US" dirty="0" smtClean="0">
+                <a:latin typeface="Arial" panose="020B0604020202020204" pitchFamily="34" charset="0"/>
+                <a:cs typeface="Arial" panose="020B0604020202020204" pitchFamily="34" charset="0"/>
+              </a:rPr>
+              <a:t> </a:t>
+            </a:r>
+            <a:r>
+              <a:rPr lang="en-US" dirty="0" err="1" smtClean="0">
+                <a:latin typeface="Arial" panose="020B0604020202020204" pitchFamily="34" charset="0"/>
+                <a:cs typeface="Arial" panose="020B0604020202020204" pitchFamily="34" charset="0"/>
+              </a:rPr>
+              <a:t>trình</a:t>
             </a:r>
             <a:r>
               <a:rPr lang="en-US" dirty="0" smtClean="0">
@@ -10030,14 +10037,7 @@
                 <a:latin typeface="Arial" panose="020B0604020202020204" pitchFamily="34" charset="0"/>
                 <a:cs typeface="Arial" panose="020B0604020202020204" pitchFamily="34" charset="0"/>
               </a:rPr>
-              <a:t>MỤC TIÊU </a:t>
-            </a:r>
-            <a:r>
-              <a:rPr lang="en-US" dirty="0" smtClean="0">
-                <a:latin typeface="Arial" panose="020B0604020202020204" pitchFamily="34" charset="0"/>
-                <a:cs typeface="Arial" panose="020B0604020202020204" pitchFamily="34" charset="0"/>
-              </a:rPr>
-              <a:t>DÀI HẠN</a:t>
+              <a:t>MỤC TIÊU DÀI HẠN</a:t>
             </a:r>
             <a:endParaRPr lang="en-US" dirty="0">
               <a:latin typeface="Arial" panose="020B0604020202020204" pitchFamily="34" charset="0"/>
@@ -10540,10 +10540,6 @@
               </a:rPr>
               <a:t>SWOT</a:t>
             </a:r>
-            <a:endParaRPr lang="en-US" dirty="0" smtClean="0">
-              <a:latin typeface="Arial" panose="020B0604020202020204" pitchFamily="34" charset="0"/>
-              <a:cs typeface="Arial" panose="020B0604020202020204" pitchFamily="34" charset="0"/>
-            </a:endParaRPr>
           </a:p>
           <a:p>
             <a:r>
@@ -12654,10 +12650,6 @@
               </a:rPr>
               <a:t>Java</a:t>
             </a:r>
-            <a:endParaRPr lang="en-US" dirty="0" smtClean="0">
-              <a:latin typeface="Arial" panose="020B0604020202020204" pitchFamily="34" charset="0"/>
-              <a:cs typeface="Arial" panose="020B0604020202020204" pitchFamily="34" charset="0"/>
-            </a:endParaRPr>
           </a:p>
           <a:p>
             <a:pPr lvl="1">
@@ -12671,10 +12663,6 @@
               </a:rPr>
               <a:t>Angular</a:t>
             </a:r>
-            <a:endParaRPr lang="en-US" dirty="0" smtClean="0">
-              <a:latin typeface="Arial" panose="020B0604020202020204" pitchFamily="34" charset="0"/>
-              <a:cs typeface="Arial" panose="020B0604020202020204" pitchFamily="34" charset="0"/>
-            </a:endParaRPr>
           </a:p>
           <a:p>
             <a:pPr lvl="1">
@@ -19141,14 +19129,7 @@
                 <a:latin typeface="Arial" panose="020B0604020202020204" pitchFamily="34" charset="0"/>
                 <a:cs typeface="Arial" panose="020B0604020202020204" pitchFamily="34" charset="0"/>
               </a:rPr>
-              <a:t>MỤC TIÊU </a:t>
-            </a:r>
-            <a:r>
-              <a:rPr lang="en-US" dirty="0" smtClean="0">
-                <a:latin typeface="Arial" panose="020B0604020202020204" pitchFamily="34" charset="0"/>
-                <a:cs typeface="Arial" panose="020B0604020202020204" pitchFamily="34" charset="0"/>
-              </a:rPr>
-              <a:t>NGẮN HẠN</a:t>
+              <a:t>MỤC TIÊU NGẮN HẠN</a:t>
             </a:r>
             <a:endParaRPr lang="en-US" dirty="0">
               <a:latin typeface="Arial" panose="020B0604020202020204" pitchFamily="34" charset="0"/>
